--- a/UI/UI규정집.pptx
+++ b/UI/UI규정집.pptx
@@ -5,7 +5,7 @@
     <p:sldMasterId id="2147483648" r:id="rId1"/>
   </p:sldMasterIdLst>
   <p:notesMasterIdLst>
-    <p:notesMasterId r:id="rId16"/>
+    <p:notesMasterId r:id="rId18"/>
   </p:notesMasterIdLst>
   <p:sldIdLst>
     <p:sldId id="256" r:id="rId2"/>
@@ -22,6 +22,8 @@
     <p:sldId id="271" r:id="rId13"/>
     <p:sldId id="272" r:id="rId14"/>
     <p:sldId id="273" r:id="rId15"/>
+    <p:sldId id="274" r:id="rId16"/>
+    <p:sldId id="275" r:id="rId17"/>
   </p:sldIdLst>
   <p:sldSz cx="12192000" cy="6858000"/>
   <p:notesSz cx="6858000" cy="9144000"/>
@@ -221,7 +223,7 @@
           <a:p>
             <a:fld id="{DF8FEFE0-952E-4FD8-8EC4-AC973C5319FF}" type="datetimeFigureOut">
               <a:rPr lang="ko-KR" altLang="en-US" smtClean="0"/>
-              <a:t>2026-01-01</a:t>
+              <a:t>2026-01-02</a:t>
             </a:fld>
             <a:endParaRPr lang="ko-KR" altLang="en-US"/>
           </a:p>
@@ -827,7 +829,7 @@
           <a:p>
             <a:fld id="{183A2D42-0A0D-428D-8D13-D29D51FE6511}" type="datetimeFigureOut">
               <a:rPr lang="ko-KR" altLang="en-US" smtClean="0"/>
-              <a:t>2026-01-01</a:t>
+              <a:t>2026-01-02</a:t>
             </a:fld>
             <a:endParaRPr lang="ko-KR" altLang="en-US"/>
           </a:p>
@@ -1025,7 +1027,7 @@
           <a:p>
             <a:fld id="{183A2D42-0A0D-428D-8D13-D29D51FE6511}" type="datetimeFigureOut">
               <a:rPr lang="ko-KR" altLang="en-US" smtClean="0"/>
-              <a:t>2026-01-01</a:t>
+              <a:t>2026-01-02</a:t>
             </a:fld>
             <a:endParaRPr lang="ko-KR" altLang="en-US"/>
           </a:p>
@@ -1233,7 +1235,7 @@
           <a:p>
             <a:fld id="{183A2D42-0A0D-428D-8D13-D29D51FE6511}" type="datetimeFigureOut">
               <a:rPr lang="ko-KR" altLang="en-US" smtClean="0"/>
-              <a:t>2026-01-01</a:t>
+              <a:t>2026-01-02</a:t>
             </a:fld>
             <a:endParaRPr lang="ko-KR" altLang="en-US"/>
           </a:p>
@@ -1431,7 +1433,7 @@
           <a:p>
             <a:fld id="{183A2D42-0A0D-428D-8D13-D29D51FE6511}" type="datetimeFigureOut">
               <a:rPr lang="ko-KR" altLang="en-US" smtClean="0"/>
-              <a:t>2026-01-01</a:t>
+              <a:t>2026-01-02</a:t>
             </a:fld>
             <a:endParaRPr lang="ko-KR" altLang="en-US"/>
           </a:p>
@@ -1706,7 +1708,7 @@
           <a:p>
             <a:fld id="{183A2D42-0A0D-428D-8D13-D29D51FE6511}" type="datetimeFigureOut">
               <a:rPr lang="ko-KR" altLang="en-US" smtClean="0"/>
-              <a:t>2026-01-01</a:t>
+              <a:t>2026-01-02</a:t>
             </a:fld>
             <a:endParaRPr lang="ko-KR" altLang="en-US"/>
           </a:p>
@@ -1971,7 +1973,7 @@
           <a:p>
             <a:fld id="{183A2D42-0A0D-428D-8D13-D29D51FE6511}" type="datetimeFigureOut">
               <a:rPr lang="ko-KR" altLang="en-US" smtClean="0"/>
-              <a:t>2026-01-01</a:t>
+              <a:t>2026-01-02</a:t>
             </a:fld>
             <a:endParaRPr lang="ko-KR" altLang="en-US"/>
           </a:p>
@@ -2383,7 +2385,7 @@
           <a:p>
             <a:fld id="{183A2D42-0A0D-428D-8D13-D29D51FE6511}" type="datetimeFigureOut">
               <a:rPr lang="ko-KR" altLang="en-US" smtClean="0"/>
-              <a:t>2026-01-01</a:t>
+              <a:t>2026-01-02</a:t>
             </a:fld>
             <a:endParaRPr lang="ko-KR" altLang="en-US"/>
           </a:p>
@@ -2524,7 +2526,7 @@
           <a:p>
             <a:fld id="{183A2D42-0A0D-428D-8D13-D29D51FE6511}" type="datetimeFigureOut">
               <a:rPr lang="ko-KR" altLang="en-US" smtClean="0"/>
-              <a:t>2026-01-01</a:t>
+              <a:t>2026-01-02</a:t>
             </a:fld>
             <a:endParaRPr lang="ko-KR" altLang="en-US"/>
           </a:p>
@@ -2637,7 +2639,7 @@
           <a:p>
             <a:fld id="{183A2D42-0A0D-428D-8D13-D29D51FE6511}" type="datetimeFigureOut">
               <a:rPr lang="ko-KR" altLang="en-US" smtClean="0"/>
-              <a:t>2026-01-01</a:t>
+              <a:t>2026-01-02</a:t>
             </a:fld>
             <a:endParaRPr lang="ko-KR" altLang="en-US"/>
           </a:p>
@@ -2948,7 +2950,7 @@
           <a:p>
             <a:fld id="{183A2D42-0A0D-428D-8D13-D29D51FE6511}" type="datetimeFigureOut">
               <a:rPr lang="ko-KR" altLang="en-US" smtClean="0"/>
-              <a:t>2026-01-01</a:t>
+              <a:t>2026-01-02</a:t>
             </a:fld>
             <a:endParaRPr lang="ko-KR" altLang="en-US"/>
           </a:p>
@@ -3236,7 +3238,7 @@
           <a:p>
             <a:fld id="{183A2D42-0A0D-428D-8D13-D29D51FE6511}" type="datetimeFigureOut">
               <a:rPr lang="ko-KR" altLang="en-US" smtClean="0"/>
-              <a:t>2026-01-01</a:t>
+              <a:t>2026-01-02</a:t>
             </a:fld>
             <a:endParaRPr lang="ko-KR" altLang="en-US"/>
           </a:p>
@@ -3477,7 +3479,7 @@
           <a:p>
             <a:fld id="{183A2D42-0A0D-428D-8D13-D29D51FE6511}" type="datetimeFigureOut">
               <a:rPr lang="ko-KR" altLang="en-US" smtClean="0"/>
-              <a:t>2026-01-01</a:t>
+              <a:t>2026-01-02</a:t>
             </a:fld>
             <a:endParaRPr lang="ko-KR" altLang="en-US"/>
           </a:p>
@@ -5441,6 +5443,164 @@
     <p:extLst>
       <p:ext uri="{BB962C8B-B14F-4D97-AF65-F5344CB8AC3E}">
         <p14:creationId xmlns:p14="http://schemas.microsoft.com/office/powerpoint/2010/main" val="2665630018"/>
+      </p:ext>
+    </p:extLst>
+  </p:cSld>
+  <p:clrMapOvr>
+    <a:masterClrMapping/>
+  </p:clrMapOvr>
+</p:sld>
+</file>
+
+<file path=ppt/slides/slide15.xml><?xml version="1.0" encoding="utf-8"?>
+<p:sld xmlns:a="http://schemas.openxmlformats.org/drawingml/2006/main" xmlns:r="http://schemas.openxmlformats.org/officeDocument/2006/relationships" xmlns:p="http://schemas.openxmlformats.org/presentationml/2006/main">
+  <p:cSld>
+    <p:spTree>
+      <p:nvGrpSpPr>
+        <p:cNvPr id="1" name="">
+          <a:extLst>
+            <a:ext uri="{FF2B5EF4-FFF2-40B4-BE49-F238E27FC236}">
+              <a16:creationId xmlns:a16="http://schemas.microsoft.com/office/drawing/2014/main" id="{511F6491-4437-CE1D-D416-BA896A05285A}"/>
+            </a:ext>
+          </a:extLst>
+        </p:cNvPr>
+        <p:cNvGrpSpPr/>
+        <p:nvPr/>
+      </p:nvGrpSpPr>
+      <p:grpSpPr>
+        <a:xfrm>
+          <a:off x="0" y="0"/>
+          <a:ext cx="0" cy="0"/>
+          <a:chOff x="0" y="0"/>
+          <a:chExt cx="0" cy="0"/>
+        </a:xfrm>
+      </p:grpSpPr>
+      <p:sp>
+        <p:nvSpPr>
+          <p:cNvPr id="22" name="TextBox 21">
+            <a:extLst>
+              <a:ext uri="{FF2B5EF4-FFF2-40B4-BE49-F238E27FC236}">
+                <a16:creationId xmlns:a16="http://schemas.microsoft.com/office/drawing/2014/main" id="{C4EDECA0-4369-CED8-3250-A86F14A60770}"/>
+              </a:ext>
+            </a:extLst>
+          </p:cNvPr>
+          <p:cNvSpPr txBox="1"/>
+          <p:nvPr/>
+        </p:nvSpPr>
+        <p:spPr>
+          <a:xfrm>
+            <a:off x="969567" y="1450293"/>
+            <a:ext cx="10251525" cy="3939540"/>
+          </a:xfrm>
+          <a:prstGeom prst="rect">
+            <a:avLst/>
+          </a:prstGeom>
+          <a:noFill/>
+        </p:spPr>
+        <p:txBody>
+          <a:bodyPr wrap="none" rtlCol="0">
+            <a:spAutoFit/>
+          </a:bodyPr>
+          <a:lstStyle/>
+          <a:p>
+            <a:pPr algn="ctr"/>
+            <a:r>
+              <a:rPr lang="en-US" altLang="ko-KR" sz="25000" dirty="0">
+                <a:solidFill>
+                  <a:srgbClr val="1D4999"/>
+                </a:solidFill>
+                <a:latin typeface="한국외대체 B" panose="02020503020101020101" pitchFamily="18" charset="-127"/>
+                <a:ea typeface="한국외대체 B" panose="02020503020101020101" pitchFamily="18" charset="-127"/>
+                <a:cs typeface="한국외대체 B" panose="02020503020101020101" pitchFamily="18" charset="-127"/>
+              </a:rPr>
+              <a:t>DILAB</a:t>
+            </a:r>
+          </a:p>
+        </p:txBody>
+      </p:sp>
+    </p:spTree>
+    <p:extLst>
+      <p:ext uri="{BB962C8B-B14F-4D97-AF65-F5344CB8AC3E}">
+        <p14:creationId xmlns:p14="http://schemas.microsoft.com/office/powerpoint/2010/main" val="2387752328"/>
+      </p:ext>
+    </p:extLst>
+  </p:cSld>
+  <p:clrMapOvr>
+    <a:masterClrMapping/>
+  </p:clrMapOvr>
+</p:sld>
+</file>
+
+<file path=ppt/slides/slide16.xml><?xml version="1.0" encoding="utf-8"?>
+<p:sld xmlns:a="http://schemas.openxmlformats.org/drawingml/2006/main" xmlns:r="http://schemas.openxmlformats.org/officeDocument/2006/relationships" xmlns:p="http://schemas.openxmlformats.org/presentationml/2006/main">
+  <p:cSld>
+    <p:spTree>
+      <p:nvGrpSpPr>
+        <p:cNvPr id="1" name="">
+          <a:extLst>
+            <a:ext uri="{FF2B5EF4-FFF2-40B4-BE49-F238E27FC236}">
+              <a16:creationId xmlns:a16="http://schemas.microsoft.com/office/drawing/2014/main" id="{32EA8B95-E262-7967-9DA8-C2930BFCE8DA}"/>
+            </a:ext>
+          </a:extLst>
+        </p:cNvPr>
+        <p:cNvGrpSpPr/>
+        <p:nvPr/>
+      </p:nvGrpSpPr>
+      <p:grpSpPr>
+        <a:xfrm>
+          <a:off x="0" y="0"/>
+          <a:ext cx="0" cy="0"/>
+          <a:chOff x="0" y="0"/>
+          <a:chExt cx="0" cy="0"/>
+        </a:xfrm>
+      </p:grpSpPr>
+      <p:sp>
+        <p:nvSpPr>
+          <p:cNvPr id="22" name="TextBox 21">
+            <a:extLst>
+              <a:ext uri="{FF2B5EF4-FFF2-40B4-BE49-F238E27FC236}">
+                <a16:creationId xmlns:a16="http://schemas.microsoft.com/office/drawing/2014/main" id="{F016DC75-DCDE-5F9B-F32B-3B7C3399E8EF}"/>
+              </a:ext>
+            </a:extLst>
+          </p:cNvPr>
+          <p:cNvSpPr txBox="1"/>
+          <p:nvPr/>
+        </p:nvSpPr>
+        <p:spPr>
+          <a:xfrm>
+            <a:off x="4545064" y="1073781"/>
+            <a:ext cx="3100529" cy="4708981"/>
+          </a:xfrm>
+          <a:prstGeom prst="rect">
+            <a:avLst/>
+          </a:prstGeom>
+          <a:noFill/>
+        </p:spPr>
+        <p:txBody>
+          <a:bodyPr wrap="none" rtlCol="0">
+            <a:spAutoFit/>
+          </a:bodyPr>
+          <a:lstStyle/>
+          <a:p>
+            <a:pPr algn="ctr"/>
+            <a:r>
+              <a:rPr lang="en-US" altLang="ko-KR" sz="30000" dirty="0">
+                <a:solidFill>
+                  <a:srgbClr val="1D4999"/>
+                </a:solidFill>
+                <a:latin typeface="한국외대체 B" panose="02020503020101020101" pitchFamily="18" charset="-127"/>
+                <a:ea typeface="한국외대체 B" panose="02020503020101020101" pitchFamily="18" charset="-127"/>
+                <a:cs typeface="한국외대체 B" panose="02020503020101020101" pitchFamily="18" charset="-127"/>
+              </a:rPr>
+              <a:t>D</a:t>
+            </a:r>
+          </a:p>
+        </p:txBody>
+      </p:sp>
+    </p:spTree>
+    <p:extLst>
+      <p:ext uri="{BB962C8B-B14F-4D97-AF65-F5344CB8AC3E}">
+        <p14:creationId xmlns:p14="http://schemas.microsoft.com/office/powerpoint/2010/main" val="1336399040"/>
       </p:ext>
     </p:extLst>
   </p:cSld>
